--- a/PPT/複評二審1214.pptx
+++ b/PPT/複評二審1214.pptx
@@ -16756,14 +16756,7 @@
                 <a:latin typeface="AaKLYLDYW (Non-Commercial Use)" panose="02010600010101010101" pitchFamily="2" charset="-122"/>
                 <a:ea typeface="AaKLYLDYW (Non-Commercial Use)" panose="02010600010101010101" pitchFamily="2" charset="-122"/>
               </a:rPr>
-              <a:t>每</a:t>
-            </a:r>
-            <a:r>
-              <a:rPr lang="zh-TW" altLang="en-US" sz="4000" b="1" dirty="0" smtClean="0">
-                <a:latin typeface="AaKLYLDYW (Non-Commercial Use)" panose="02010600010101010101" pitchFamily="2" charset="-122"/>
-                <a:ea typeface="AaKLYLDYW (Non-Commercial Use)" panose="02010600010101010101" pitchFamily="2" charset="-122"/>
-              </a:rPr>
-              <a:t>個單位需要</a:t>
+              <a:t>每個單位需要</a:t>
             </a:r>
             <a:r>
               <a:rPr lang="en-US" altLang="zh-TW" sz="4000" b="1" dirty="0" smtClean="0">
@@ -16818,14 +16811,7 @@
                 <a:latin typeface="AaKLYLDYW (Non-Commercial Use)" panose="02010600010101010101" pitchFamily="2" charset="-122"/>
                 <a:ea typeface="AaKLYLDYW (Non-Commercial Use)" panose="02010600010101010101" pitchFamily="2" charset="-122"/>
               </a:rPr>
-              <a:t>個</a:t>
-            </a:r>
-            <a:r>
-              <a:rPr lang="zh-TW" altLang="en-US" sz="4000" b="1" dirty="0" smtClean="0">
-                <a:latin typeface="AaKLYLDYW (Non-Commercial Use)" panose="02010600010101010101" pitchFamily="2" charset="-122"/>
-                <a:ea typeface="AaKLYLDYW (Non-Commercial Use)" panose="02010600010101010101" pitchFamily="2" charset="-122"/>
-              </a:rPr>
-              <a:t>單</a:t>
+              <a:t>個單</a:t>
             </a:r>
             <a:r>
               <a:rPr lang="zh-TW" altLang="en-US" sz="4000" b="1" dirty="0">
@@ -16834,10 +16820,6 @@
               </a:rPr>
               <a:t>位</a:t>
             </a:r>
-            <a:endParaRPr lang="zh-TW" altLang="en-US" sz="4000" b="1" dirty="0">
-              <a:latin typeface="AaKLYLDYW (Non-Commercial Use)" panose="02010600010101010101" pitchFamily="2" charset="-122"/>
-              <a:ea typeface="AaKLYLDYW (Non-Commercial Use)" panose="02010600010101010101" pitchFamily="2" charset="-122"/>
-            </a:endParaRPr>
           </a:p>
         </p:txBody>
       </p:sp>
@@ -17292,14 +17274,7 @@
                 <a:latin typeface="AaKLYLDYW (Non-Commercial Use)" panose="02010600010101010101" pitchFamily="2" charset="-122"/>
                 <a:ea typeface="AaKLYLDYW (Non-Commercial Use)" panose="02010600010101010101" pitchFamily="2" charset="-122"/>
               </a:rPr>
-              <a:t>、</a:t>
-            </a:r>
-            <a:r>
-              <a:rPr lang="zh-TW" altLang="en-US" sz="4000" b="1" dirty="0" smtClean="0">
-                <a:latin typeface="AaKLYLDYW (Non-Commercial Use)" panose="02010600010101010101" pitchFamily="2" charset="-122"/>
-                <a:ea typeface="AaKLYLDYW (Non-Commercial Use)" panose="02010600010101010101" pitchFamily="2" charset="-122"/>
-              </a:rPr>
-              <a:t>炒魷魚</a:t>
+              <a:t>、炒魷魚</a:t>
             </a:r>
             <a:r>
               <a:rPr lang="en-US" altLang="zh-TW" sz="4000" b="1" dirty="0" smtClean="0">
@@ -17356,10 +17331,6 @@
               </a:rPr>
               <a:t>位</a:t>
             </a:r>
-            <a:endParaRPr lang="zh-TW" altLang="en-US" sz="4000" b="1" dirty="0">
-              <a:latin typeface="AaKLYLDYW (Non-Commercial Use)" panose="02010600010101010101" pitchFamily="2" charset="-122"/>
-              <a:ea typeface="AaKLYLDYW (Non-Commercial Use)" panose="02010600010101010101" pitchFamily="2" charset="-122"/>
-            </a:endParaRPr>
           </a:p>
         </p:txBody>
       </p:sp>
@@ -18723,14 +18694,7 @@
                   <a:latin typeface="AaKLYLDYW (Non-Commercial Use)" panose="02010600010101010101" pitchFamily="2" charset="-122"/>
                   <a:ea typeface="AaKLYLDYW (Non-Commercial Use)" panose="02010600010101010101" pitchFamily="2" charset="-122"/>
                 </a:rPr>
-                <a:t>每</a:t>
-              </a:r>
-              <a:r>
-                <a:rPr lang="zh-TW" altLang="en-US" sz="4000" b="1" dirty="0" smtClean="0">
-                  <a:latin typeface="AaKLYLDYW (Non-Commercial Use)" panose="02010600010101010101" pitchFamily="2" charset="-122"/>
-                  <a:ea typeface="AaKLYLDYW (Non-Commercial Use)" panose="02010600010101010101" pitchFamily="2" charset="-122"/>
-                </a:rPr>
-                <a:t>個單位需要</a:t>
+                <a:t>每個單位需要</a:t>
               </a:r>
               <a:r>
                 <a:rPr lang="en-US" altLang="zh-TW" sz="4000" b="1" dirty="0" smtClean="0">
@@ -18886,14 +18850,7 @@
                   <a:latin typeface="AaKLYLDYW (Non-Commercial Use)" panose="02010600010101010101" pitchFamily="2" charset="-122"/>
                   <a:ea typeface="AaKLYLDYW (Non-Commercial Use)" panose="02010600010101010101" pitchFamily="2" charset="-122"/>
                 </a:rPr>
-                <a:t>單位、</a:t>
-              </a:r>
-              <a:r>
-                <a:rPr lang="zh-TW" altLang="en-US" sz="4000" b="1" dirty="0" smtClean="0">
-                  <a:latin typeface="AaKLYLDYW (Non-Commercial Use)" panose="02010600010101010101" pitchFamily="2" charset="-122"/>
-                  <a:ea typeface="AaKLYLDYW (Non-Commercial Use)" panose="02010600010101010101" pitchFamily="2" charset="-122"/>
-                </a:rPr>
-                <a:t>炒魷魚</a:t>
+                <a:t>單位、炒魷魚</a:t>
               </a:r>
               <a:r>
                 <a:rPr lang="en-US" altLang="zh-TW" sz="4000" b="1" dirty="0" smtClean="0">
@@ -18950,10 +18907,6 @@
                 </a:rPr>
                 <a:t>位</a:t>
               </a:r>
-              <a:endParaRPr lang="zh-TW" altLang="en-US" sz="4000" b="1" dirty="0">
-                <a:latin typeface="AaKLYLDYW (Non-Commercial Use)" panose="02010600010101010101" pitchFamily="2" charset="-122"/>
-                <a:ea typeface="AaKLYLDYW (Non-Commercial Use)" panose="02010600010101010101" pitchFamily="2" charset="-122"/>
-              </a:endParaRPr>
             </a:p>
           </p:txBody>
         </p:sp>
@@ -19369,21 +19322,7 @@
                       <a:latin typeface="AaKLYLDYW (Non-Commercial Use)" panose="02010600010101010101" pitchFamily="2" charset="-122"/>
                       <a:ea typeface="AaKLYLDYW (Non-Commercial Use)" panose="02010600010101010101" pitchFamily="2" charset="-122"/>
                     </a:rPr>
-                    <a:t>青菜</a:t>
-                  </a:r>
-                  <a:r>
-                    <a:rPr lang="zh-TW" altLang="en-US" sz="3200" b="1" dirty="0" smtClean="0">
-                      <a:effectLst>
-                        <a:outerShdw blurRad="38100" dist="38100" dir="2700000" algn="tl">
-                          <a:srgbClr val="000000">
-                            <a:alpha val="43137"/>
-                          </a:srgbClr>
-                        </a:outerShdw>
-                      </a:effectLst>
-                      <a:latin typeface="AaKLYLDYW (Non-Commercial Use)" panose="02010600010101010101" pitchFamily="2" charset="-122"/>
-                      <a:ea typeface="AaKLYLDYW (Non-Commercial Use)" panose="02010600010101010101" pitchFamily="2" charset="-122"/>
-                    </a:rPr>
-                    <a:t>牛肉</a:t>
+                    <a:t>青菜牛肉</a:t>
                   </a:r>
                   <a:endParaRPr lang="zh-TW" altLang="en-US" sz="3200" b="1" dirty="0">
                     <a:effectLst>
@@ -19433,21 +19372,7 @@
                       <a:latin typeface="AaKLYLDYW (Non-Commercial Use)" panose="02010600010101010101" pitchFamily="2" charset="-122"/>
                       <a:ea typeface="AaKLYLDYW (Non-Commercial Use)" panose="02010600010101010101" pitchFamily="2" charset="-122"/>
                     </a:rPr>
-                    <a:t>平均等待</a:t>
-                  </a:r>
-                  <a:r>
-                    <a:rPr lang="zh-TW" altLang="en-US" sz="2400" b="1" dirty="0" smtClean="0">
-                      <a:effectLst>
-                        <a:outerShdw blurRad="38100" dist="38100" dir="2700000" algn="tl">
-                          <a:srgbClr val="000000">
-                            <a:alpha val="43137"/>
-                          </a:srgbClr>
-                        </a:outerShdw>
-                      </a:effectLst>
-                      <a:latin typeface="AaKLYLDYW (Non-Commercial Use)" panose="02010600010101010101" pitchFamily="2" charset="-122"/>
-                      <a:ea typeface="AaKLYLDYW (Non-Commercial Use)" panose="02010600010101010101" pitchFamily="2" charset="-122"/>
-                    </a:rPr>
-                    <a:t>時間：</a:t>
+                    <a:t>平均等待時間：</a:t>
                   </a:r>
                   <a:r>
                     <a:rPr lang="en-US" altLang="zh-TW" sz="2400" b="1" dirty="0" smtClean="0">
@@ -19514,17 +19439,6 @@
                   </a:rPr>
                   <a:t>菜單</a:t>
                 </a:r>
-                <a:endParaRPr lang="zh-TW" altLang="en-US" sz="3600" b="1" dirty="0">
-                  <a:effectLst>
-                    <a:outerShdw blurRad="38100" dist="38100" dir="2700000" algn="tl">
-                      <a:srgbClr val="000000">
-                        <a:alpha val="43137"/>
-                      </a:srgbClr>
-                    </a:outerShdw>
-                  </a:effectLst>
-                  <a:latin typeface="AaKLYLDYW (Non-Commercial Use)" panose="02010600010101010101" pitchFamily="2" charset="-122"/>
-                  <a:ea typeface="AaKLYLDYW (Non-Commercial Use)" panose="02010600010101010101" pitchFamily="2" charset="-122"/>
-                </a:endParaRPr>
               </a:p>
             </p:txBody>
           </p:sp>
@@ -19661,35 +19575,7 @@
                       <a:latin typeface="AaKLYLDYW (Non-Commercial Use)" panose="02010600010101010101" pitchFamily="2" charset="-122"/>
                       <a:ea typeface="AaKLYLDYW (Non-Commercial Use)" panose="02010600010101010101" pitchFamily="2" charset="-122"/>
                     </a:rPr>
-                    <a:t>平均等待</a:t>
-                  </a:r>
-                  <a:r>
-                    <a:rPr lang="zh-TW" altLang="en-US" sz="2400" b="1" dirty="0" smtClean="0">
-                      <a:effectLst>
-                        <a:outerShdw blurRad="38100" dist="38100" dir="2700000" algn="tl">
-                          <a:srgbClr val="000000">
-                            <a:alpha val="43137"/>
-                          </a:srgbClr>
-                        </a:outerShdw>
-                      </a:effectLst>
-                      <a:latin typeface="AaKLYLDYW (Non-Commercial Use)" panose="02010600010101010101" pitchFamily="2" charset="-122"/>
-                      <a:ea typeface="AaKLYLDYW (Non-Commercial Use)" panose="02010600010101010101" pitchFamily="2" charset="-122"/>
-                    </a:rPr>
-                    <a:t>時間</a:t>
-                  </a:r>
-                  <a:r>
-                    <a:rPr lang="zh-TW" altLang="en-US" sz="2400" b="1" dirty="0" smtClean="0">
-                      <a:effectLst>
-                        <a:outerShdw blurRad="38100" dist="38100" dir="2700000" algn="tl">
-                          <a:srgbClr val="000000">
-                            <a:alpha val="43137"/>
-                          </a:srgbClr>
-                        </a:outerShdw>
-                      </a:effectLst>
-                      <a:latin typeface="AaKLYLDYW (Non-Commercial Use)" panose="02010600010101010101" pitchFamily="2" charset="-122"/>
-                      <a:ea typeface="AaKLYLDYW (Non-Commercial Use)" panose="02010600010101010101" pitchFamily="2" charset="-122"/>
-                    </a:rPr>
-                    <a:t>：</a:t>
+                    <a:t>平均等待時間：</a:t>
                   </a:r>
                   <a:r>
                     <a:rPr lang="en-US" altLang="zh-TW" sz="2400" b="1" dirty="0" smtClean="0">
@@ -20638,20 +20524,6 @@
                   </a:rPr>
                   <a:t>間</a:t>
                 </a:r>
-                <a:endParaRPr lang="zh-TW" altLang="en-US" sz="2800" b="1" dirty="0">
-                  <a:solidFill>
-                    <a:srgbClr val="FF0000"/>
-                  </a:solidFill>
-                  <a:effectLst>
-                    <a:outerShdw blurRad="38100" dist="38100" dir="2700000" algn="tl">
-                      <a:srgbClr val="000000">
-                        <a:alpha val="43137"/>
-                      </a:srgbClr>
-                    </a:outerShdw>
-                  </a:effectLst>
-                  <a:latin typeface="AaKLYLDYW (Non-Commercial Use)" panose="02010600010101010101" pitchFamily="2" charset="-122"/>
-                  <a:ea typeface="AaKLYLDYW (Non-Commercial Use)" panose="02010600010101010101" pitchFamily="2" charset="-122"/>
-                </a:endParaRPr>
               </a:p>
             </p:txBody>
           </p:sp>
@@ -20690,8 +20562,8 @@
             </a:prstGeom>
             <a:solidFill>
               <a:schemeClr val="accent1">
-                <a:lumMod val="40000"/>
-                <a:lumOff val="60000"/>
+                <a:lumMod val="20000"/>
+                <a:lumOff val="80000"/>
               </a:schemeClr>
             </a:solidFill>
             <a:ln>
